--- a/Review_1 - Copy.pptx
+++ b/Review_1 - Copy.pptx
@@ -5,10 +5,10 @@
     <p:sldMasterId id="2147483648" r:id="rId4"/>
   </p:sldMasterIdLst>
   <p:notesMasterIdLst>
-    <p:notesMasterId r:id="rId12"/>
+    <p:notesMasterId r:id="rId16"/>
   </p:notesMasterIdLst>
   <p:handoutMasterIdLst>
-    <p:handoutMasterId r:id="rId13"/>
+    <p:handoutMasterId r:id="rId17"/>
   </p:handoutMasterIdLst>
   <p:sldIdLst>
     <p:sldId id="298" r:id="rId5"/>
@@ -16,8 +16,12 @@
     <p:sldId id="502" r:id="rId7"/>
     <p:sldId id="503" r:id="rId8"/>
     <p:sldId id="506" r:id="rId9"/>
-    <p:sldId id="499" r:id="rId10"/>
-    <p:sldId id="482" r:id="rId11"/>
+    <p:sldId id="508" r:id="rId10"/>
+    <p:sldId id="509" r:id="rId11"/>
+    <p:sldId id="510" r:id="rId12"/>
+    <p:sldId id="499" r:id="rId13"/>
+    <p:sldId id="482" r:id="rId14"/>
+    <p:sldId id="507" r:id="rId15"/>
   </p:sldIdLst>
   <p:sldSz cx="12192000" cy="6858000"/>
   <p:notesSz cx="6858000" cy="9144000"/>
@@ -221,7 +225,7 @@
           <a:p>
             <a:fld id="{C4C6AC55-2EDB-BF42-AB26-F4C700CA4CF3}" type="datetimeFigureOut">
               <a:rPr lang="en-US" smtClean="0"/>
-              <a:t>1/30/2025</a:t>
+              <a:t>2/26/2025</a:t>
             </a:fld>
             <a:endParaRPr lang="en-US"/>
           </a:p>
@@ -426,7 +430,7 @@
           <a:p>
             <a:fld id="{53BF0118-6228-3548-A04B-A1F812AE9592}" type="datetimeFigureOut">
               <a:rPr lang="en-US" smtClean="0"/>
-              <a:t>1/30/2025</a:t>
+              <a:t>2/26/2025</a:t>
             </a:fld>
             <a:endParaRPr lang="en-US"/>
           </a:p>
@@ -29833,6 +29837,187 @@
     <p:extLst>
       <p:ext uri="{BB962C8B-B14F-4D97-AF65-F5344CB8AC3E}">
         <p14:creationId xmlns:p14="http://schemas.microsoft.com/office/powerpoint/2010/main" val="933269431"/>
+      </p:ext>
+    </p:extLst>
+  </p:cSld>
+  <p:clrMapOvr>
+    <a:masterClrMapping/>
+  </p:clrMapOvr>
+</p:sld>
+</file>
+
+<file path=ppt/slides/slide10.xml><?xml version="1.0" encoding="utf-8"?>
+<p:sld xmlns:a="http://schemas.openxmlformats.org/drawingml/2006/main" xmlns:r="http://schemas.openxmlformats.org/officeDocument/2006/relationships" xmlns:p="http://schemas.openxmlformats.org/presentationml/2006/main">
+  <p:cSld>
+    <p:spTree>
+      <p:nvGrpSpPr>
+        <p:cNvPr id="1" name=""/>
+        <p:cNvGrpSpPr/>
+        <p:nvPr/>
+      </p:nvGrpSpPr>
+      <p:grpSpPr>
+        <a:xfrm>
+          <a:off x="0" y="0"/>
+          <a:ext cx="0" cy="0"/>
+          <a:chOff x="0" y="0"/>
+          <a:chExt cx="0" cy="0"/>
+        </a:xfrm>
+      </p:grpSpPr>
+      <p:sp>
+        <p:nvSpPr>
+          <p:cNvPr id="3" name="Instructions">
+            <a:extLst>
+              <a:ext uri="{FF2B5EF4-FFF2-40B4-BE49-F238E27FC236}">
+                <a16:creationId xmlns:a16="http://schemas.microsoft.com/office/drawing/2014/main" id="{58953F9D-FCBC-BE89-8703-2655B015B9FB}"/>
+              </a:ext>
+            </a:extLst>
+          </p:cNvPr>
+          <p:cNvSpPr/>
+          <p:nvPr/>
+        </p:nvSpPr>
+        <p:spPr>
+          <a:xfrm>
+            <a:off x="8780145" y="5485257"/>
+            <a:ext cx="2926080" cy="886968"/>
+          </a:xfrm>
+          <a:prstGeom prst="rect">
+            <a:avLst/>
+          </a:prstGeom>
+          <a:solidFill>
+            <a:schemeClr val="accent5"/>
+          </a:solidFill>
+          <a:ln>
+            <a:noFill/>
+          </a:ln>
+        </p:spPr>
+        <p:style>
+          <a:lnRef idx="0">
+            <a:schemeClr val="accent1"/>
+          </a:lnRef>
+          <a:fillRef idx="1">
+            <a:schemeClr val="accent1"/>
+          </a:fillRef>
+          <a:effectRef idx="0">
+            <a:schemeClr val="dk1"/>
+          </a:effectRef>
+          <a:fontRef idx="minor">
+            <a:schemeClr val="dk1"/>
+          </a:fontRef>
+        </p:style>
+        <p:txBody>
+          <a:bodyPr rtlCol="0" anchor="ctr"/>
+          <a:lstStyle/>
+          <a:p>
+            <a:pPr algn="ctr">
+              <a:spcBef>
+                <a:spcPts val="300"/>
+              </a:spcBef>
+            </a:pPr>
+            <a:r>
+              <a:rPr lang="en-US" sz="700" b="1" dirty="0">
+                <a:solidFill>
+                  <a:srgbClr val="000000"/>
+                </a:solidFill>
+              </a:rPr>
+              <a:t>READ &amp; DELETE BEFORE USING</a:t>
+            </a:r>
+          </a:p>
+          <a:p>
+            <a:pPr algn="ctr">
+              <a:spcBef>
+                <a:spcPts val="300"/>
+              </a:spcBef>
+            </a:pPr>
+            <a:r>
+              <a:rPr lang="en-US" sz="700" dirty="0">
+                <a:solidFill>
+                  <a:srgbClr val="000000"/>
+                </a:solidFill>
+              </a:rPr>
+              <a:t>If needed, update the legal notice on the end slide using </a:t>
+            </a:r>
+            <a:br>
+              <a:rPr lang="en-US" sz="700" dirty="0">
+                <a:solidFill>
+                  <a:srgbClr val="000000"/>
+                </a:solidFill>
+              </a:rPr>
+            </a:br>
+            <a:r>
+              <a:rPr lang="en-US" sz="700" dirty="0">
+                <a:solidFill>
+                  <a:srgbClr val="000000"/>
+                </a:solidFill>
+              </a:rPr>
+              <a:t>View &gt; Slide Master. When done, View &gt; Normal. </a:t>
+            </a:r>
+          </a:p>
+          <a:p>
+            <a:pPr algn="ctr">
+              <a:spcBef>
+                <a:spcPts val="300"/>
+              </a:spcBef>
+            </a:pPr>
+            <a:r>
+              <a:rPr lang="en-US" sz="700" dirty="0">
+                <a:solidFill>
+                  <a:srgbClr val="000000"/>
+                </a:solidFill>
+              </a:rPr>
+              <a:t>Both the “End Slide” and “End Slide – Dark Mode” </a:t>
+            </a:r>
+            <a:br>
+              <a:rPr lang="en-US" sz="700" dirty="0">
+                <a:solidFill>
+                  <a:srgbClr val="000000"/>
+                </a:solidFill>
+              </a:rPr>
+            </a:br>
+            <a:r>
+              <a:rPr lang="en-US" sz="700" dirty="0">
+                <a:solidFill>
+                  <a:srgbClr val="000000"/>
+                </a:solidFill>
+              </a:rPr>
+              <a:t>slide masters should be updated consistently.</a:t>
+            </a:r>
+          </a:p>
+        </p:txBody>
+      </p:sp>
+    </p:spTree>
+    <p:extLst>
+      <p:ext uri="{BB962C8B-B14F-4D97-AF65-F5344CB8AC3E}">
+        <p14:creationId xmlns:p14="http://schemas.microsoft.com/office/powerpoint/2010/main" val="2315974632"/>
+      </p:ext>
+    </p:extLst>
+  </p:cSld>
+  <p:clrMapOvr>
+    <a:masterClrMapping/>
+  </p:clrMapOvr>
+</p:sld>
+</file>
+
+<file path=ppt/slides/slide11.xml><?xml version="1.0" encoding="utf-8"?>
+<p:sld xmlns:a="http://schemas.openxmlformats.org/drawingml/2006/main" xmlns:r="http://schemas.openxmlformats.org/officeDocument/2006/relationships" xmlns:p="http://schemas.openxmlformats.org/presentationml/2006/main">
+  <p:cSld>
+    <p:spTree>
+      <p:nvGrpSpPr>
+        <p:cNvPr id="1" name=""/>
+        <p:cNvGrpSpPr/>
+        <p:nvPr/>
+      </p:nvGrpSpPr>
+      <p:grpSpPr>
+        <a:xfrm>
+          <a:off x="0" y="0"/>
+          <a:ext cx="0" cy="0"/>
+          <a:chOff x="0" y="0"/>
+          <a:chExt cx="0" cy="0"/>
+        </a:xfrm>
+      </p:grpSpPr>
+    </p:spTree>
+    <p:extLst>
+      <p:ext uri="{BB962C8B-B14F-4D97-AF65-F5344CB8AC3E}">
+        <p14:creationId xmlns:p14="http://schemas.microsoft.com/office/powerpoint/2010/main" val="2843502504"/>
       </p:ext>
     </p:extLst>
   </p:cSld>
@@ -31478,8 +31663,8 @@
           </a:p>
         </p:txBody>
       </p:sp>
-      <mc:AlternateContent xmlns:mc="http://schemas.openxmlformats.org/markup-compatibility/2006">
-        <mc:Choice xmlns:p14="http://schemas.microsoft.com/office/powerpoint/2010/main" Requires="p14">
+      <mc:AlternateContent xmlns:mc="http://schemas.openxmlformats.org/markup-compatibility/2006" xmlns:p14="http://schemas.microsoft.com/office/powerpoint/2010/main">
+        <mc:Choice Requires="p14">
           <p:contentPart p14:bwMode="auto" r:id="rId3">
             <p14:nvContentPartPr>
               <p14:cNvPr id="13" name="Ink 12">
@@ -31498,7 +31683,7 @@
             </p14:xfrm>
           </p:contentPart>
         </mc:Choice>
-        <mc:Fallback>
+        <mc:Fallback xmlns="">
           <p:pic>
             <p:nvPicPr>
               <p:cNvPr id="13" name="Ink 12">
@@ -31810,6 +31995,561 @@
 </file>
 
 <file path=ppt/slides/slide6.xml><?xml version="1.0" encoding="utf-8"?>
+<p:sld xmlns:a="http://schemas.openxmlformats.org/drawingml/2006/main" xmlns:r="http://schemas.openxmlformats.org/officeDocument/2006/relationships" xmlns:p="http://schemas.openxmlformats.org/presentationml/2006/main">
+  <p:cSld>
+    <p:spTree>
+      <p:nvGrpSpPr>
+        <p:cNvPr id="1" name=""/>
+        <p:cNvGrpSpPr/>
+        <p:nvPr/>
+      </p:nvGrpSpPr>
+      <p:grpSpPr>
+        <a:xfrm>
+          <a:off x="0" y="0"/>
+          <a:ext cx="0" cy="0"/>
+          <a:chOff x="0" y="0"/>
+          <a:chExt cx="0" cy="0"/>
+        </a:xfrm>
+      </p:grpSpPr>
+      <p:sp>
+        <p:nvSpPr>
+          <p:cNvPr id="2" name="Title 1">
+            <a:extLst>
+              <a:ext uri="{FF2B5EF4-FFF2-40B4-BE49-F238E27FC236}">
+                <a16:creationId xmlns:a16="http://schemas.microsoft.com/office/drawing/2014/main" id="{037D6792-A36F-AFE2-5100-9CB0E8FE5792}"/>
+              </a:ext>
+            </a:extLst>
+          </p:cNvPr>
+          <p:cNvSpPr>
+            <a:spLocks noGrp="1"/>
+          </p:cNvSpPr>
+          <p:nvPr>
+            <p:ph type="title"/>
+          </p:nvPr>
+        </p:nvSpPr>
+        <p:spPr/>
+        <p:txBody>
+          <a:bodyPr/>
+          <a:lstStyle/>
+          <a:p>
+            <a:endParaRPr lang="en-US"/>
+          </a:p>
+        </p:txBody>
+      </p:sp>
+      <p:sp>
+        <p:nvSpPr>
+          <p:cNvPr id="3" name="Content Placeholder 2">
+            <a:extLst>
+              <a:ext uri="{FF2B5EF4-FFF2-40B4-BE49-F238E27FC236}">
+                <a16:creationId xmlns:a16="http://schemas.microsoft.com/office/drawing/2014/main" id="{4F417C39-8269-765F-CB2C-162B941BAD2F}"/>
+              </a:ext>
+            </a:extLst>
+          </p:cNvPr>
+          <p:cNvSpPr>
+            <a:spLocks noGrp="1"/>
+          </p:cNvSpPr>
+          <p:nvPr>
+            <p:ph sz="half" idx="1"/>
+          </p:nvPr>
+        </p:nvSpPr>
+        <p:spPr/>
+        <p:txBody>
+          <a:bodyPr/>
+          <a:lstStyle/>
+          <a:p>
+            <a:endParaRPr lang="en-US"/>
+          </a:p>
+        </p:txBody>
+      </p:sp>
+      <p:sp>
+        <p:nvSpPr>
+          <p:cNvPr id="4" name="Content Placeholder 3">
+            <a:extLst>
+              <a:ext uri="{FF2B5EF4-FFF2-40B4-BE49-F238E27FC236}">
+                <a16:creationId xmlns:a16="http://schemas.microsoft.com/office/drawing/2014/main" id="{65F198F8-9893-3458-1642-B567770AC161}"/>
+              </a:ext>
+            </a:extLst>
+          </p:cNvPr>
+          <p:cNvSpPr>
+            <a:spLocks noGrp="1"/>
+          </p:cNvSpPr>
+          <p:nvPr>
+            <p:ph sz="half" idx="2"/>
+          </p:nvPr>
+        </p:nvSpPr>
+        <p:spPr/>
+        <p:txBody>
+          <a:bodyPr/>
+          <a:lstStyle/>
+          <a:p>
+            <a:endParaRPr lang="en-US"/>
+          </a:p>
+        </p:txBody>
+      </p:sp>
+      <p:sp>
+        <p:nvSpPr>
+          <p:cNvPr id="5" name="Text Placeholder 4">
+            <a:extLst>
+              <a:ext uri="{FF2B5EF4-FFF2-40B4-BE49-F238E27FC236}">
+                <a16:creationId xmlns:a16="http://schemas.microsoft.com/office/drawing/2014/main" id="{FECBF8F9-6CAB-4441-FCE4-FA7B4AE8215F}"/>
+              </a:ext>
+            </a:extLst>
+          </p:cNvPr>
+          <p:cNvSpPr>
+            <a:spLocks noGrp="1"/>
+          </p:cNvSpPr>
+          <p:nvPr>
+            <p:ph type="body" sz="quarter" idx="10"/>
+          </p:nvPr>
+        </p:nvSpPr>
+        <p:spPr/>
+        <p:txBody>
+          <a:bodyPr/>
+          <a:lstStyle/>
+          <a:p>
+            <a:endParaRPr lang="en-US"/>
+          </a:p>
+        </p:txBody>
+      </p:sp>
+      <p:sp>
+        <p:nvSpPr>
+          <p:cNvPr id="6" name="Text Placeholder 5">
+            <a:extLst>
+              <a:ext uri="{FF2B5EF4-FFF2-40B4-BE49-F238E27FC236}">
+                <a16:creationId xmlns:a16="http://schemas.microsoft.com/office/drawing/2014/main" id="{59135A38-3E71-07DD-1ED8-26084AC2BFCA}"/>
+              </a:ext>
+            </a:extLst>
+          </p:cNvPr>
+          <p:cNvSpPr>
+            <a:spLocks noGrp="1"/>
+          </p:cNvSpPr>
+          <p:nvPr>
+            <p:ph type="body" sz="quarter" idx="11"/>
+          </p:nvPr>
+        </p:nvSpPr>
+        <p:spPr/>
+        <p:txBody>
+          <a:bodyPr/>
+          <a:lstStyle/>
+          <a:p>
+            <a:endParaRPr lang="en-US"/>
+          </a:p>
+        </p:txBody>
+      </p:sp>
+      <p:pic>
+        <p:nvPicPr>
+          <p:cNvPr id="8" name="Picture 7">
+            <a:extLst>
+              <a:ext uri="{FF2B5EF4-FFF2-40B4-BE49-F238E27FC236}">
+                <a16:creationId xmlns:a16="http://schemas.microsoft.com/office/drawing/2014/main" id="{EDD692FC-8CAD-6B8B-29D1-0B2EE9B364C0}"/>
+              </a:ext>
+            </a:extLst>
+          </p:cNvPr>
+          <p:cNvPicPr>
+            <a:picLocks noChangeAspect="1"/>
+          </p:cNvPicPr>
+          <p:nvPr/>
+        </p:nvPicPr>
+        <p:blipFill>
+          <a:blip r:embed="rId2"/>
+          <a:stretch>
+            <a:fillRect/>
+          </a:stretch>
+        </p:blipFill>
+        <p:spPr>
+          <a:xfrm>
+            <a:off x="32349" y="0"/>
+            <a:ext cx="12127302" cy="6858000"/>
+          </a:xfrm>
+          <a:prstGeom prst="rect">
+            <a:avLst/>
+          </a:prstGeom>
+        </p:spPr>
+      </p:pic>
+    </p:spTree>
+    <p:extLst>
+      <p:ext uri="{BB962C8B-B14F-4D97-AF65-F5344CB8AC3E}">
+        <p14:creationId xmlns:p14="http://schemas.microsoft.com/office/powerpoint/2010/main" val="3014574562"/>
+      </p:ext>
+    </p:extLst>
+  </p:cSld>
+  <p:clrMapOvr>
+    <a:masterClrMapping/>
+  </p:clrMapOvr>
+</p:sld>
+</file>
+
+<file path=ppt/slides/slide7.xml><?xml version="1.0" encoding="utf-8"?>
+<p:sld xmlns:a="http://schemas.openxmlformats.org/drawingml/2006/main" xmlns:r="http://schemas.openxmlformats.org/officeDocument/2006/relationships" xmlns:p="http://schemas.openxmlformats.org/presentationml/2006/main">
+  <p:cSld>
+    <p:spTree>
+      <p:nvGrpSpPr>
+        <p:cNvPr id="1" name=""/>
+        <p:cNvGrpSpPr/>
+        <p:nvPr/>
+      </p:nvGrpSpPr>
+      <p:grpSpPr>
+        <a:xfrm>
+          <a:off x="0" y="0"/>
+          <a:ext cx="0" cy="0"/>
+          <a:chOff x="0" y="0"/>
+          <a:chExt cx="0" cy="0"/>
+        </a:xfrm>
+      </p:grpSpPr>
+      <p:sp>
+        <p:nvSpPr>
+          <p:cNvPr id="2" name="Title 1">
+            <a:extLst>
+              <a:ext uri="{FF2B5EF4-FFF2-40B4-BE49-F238E27FC236}">
+                <a16:creationId xmlns:a16="http://schemas.microsoft.com/office/drawing/2014/main" id="{7EBC0C1C-B6A7-070C-68D5-373DB84727F7}"/>
+              </a:ext>
+            </a:extLst>
+          </p:cNvPr>
+          <p:cNvSpPr>
+            <a:spLocks noGrp="1"/>
+          </p:cNvSpPr>
+          <p:nvPr>
+            <p:ph type="title"/>
+          </p:nvPr>
+        </p:nvSpPr>
+        <p:spPr/>
+        <p:txBody>
+          <a:bodyPr/>
+          <a:lstStyle/>
+          <a:p>
+            <a:endParaRPr lang="en-US"/>
+          </a:p>
+        </p:txBody>
+      </p:sp>
+      <p:sp>
+        <p:nvSpPr>
+          <p:cNvPr id="3" name="Content Placeholder 2">
+            <a:extLst>
+              <a:ext uri="{FF2B5EF4-FFF2-40B4-BE49-F238E27FC236}">
+                <a16:creationId xmlns:a16="http://schemas.microsoft.com/office/drawing/2014/main" id="{CA783B92-4FE5-9619-E728-F06B8850251F}"/>
+              </a:ext>
+            </a:extLst>
+          </p:cNvPr>
+          <p:cNvSpPr>
+            <a:spLocks noGrp="1"/>
+          </p:cNvSpPr>
+          <p:nvPr>
+            <p:ph sz="half" idx="1"/>
+          </p:nvPr>
+        </p:nvSpPr>
+        <p:spPr/>
+        <p:txBody>
+          <a:bodyPr/>
+          <a:lstStyle/>
+          <a:p>
+            <a:endParaRPr lang="en-US"/>
+          </a:p>
+        </p:txBody>
+      </p:sp>
+      <p:sp>
+        <p:nvSpPr>
+          <p:cNvPr id="4" name="Content Placeholder 3">
+            <a:extLst>
+              <a:ext uri="{FF2B5EF4-FFF2-40B4-BE49-F238E27FC236}">
+                <a16:creationId xmlns:a16="http://schemas.microsoft.com/office/drawing/2014/main" id="{A86B872A-761F-7D36-322E-2613816A5B3A}"/>
+              </a:ext>
+            </a:extLst>
+          </p:cNvPr>
+          <p:cNvSpPr>
+            <a:spLocks noGrp="1"/>
+          </p:cNvSpPr>
+          <p:nvPr>
+            <p:ph sz="half" idx="2"/>
+          </p:nvPr>
+        </p:nvSpPr>
+        <p:spPr/>
+        <p:txBody>
+          <a:bodyPr/>
+          <a:lstStyle/>
+          <a:p>
+            <a:endParaRPr lang="en-US"/>
+          </a:p>
+        </p:txBody>
+      </p:sp>
+      <p:sp>
+        <p:nvSpPr>
+          <p:cNvPr id="5" name="Text Placeholder 4">
+            <a:extLst>
+              <a:ext uri="{FF2B5EF4-FFF2-40B4-BE49-F238E27FC236}">
+                <a16:creationId xmlns:a16="http://schemas.microsoft.com/office/drawing/2014/main" id="{FB00E824-83CB-C7DB-968E-4E0719842387}"/>
+              </a:ext>
+            </a:extLst>
+          </p:cNvPr>
+          <p:cNvSpPr>
+            <a:spLocks noGrp="1"/>
+          </p:cNvSpPr>
+          <p:nvPr>
+            <p:ph type="body" sz="quarter" idx="10"/>
+          </p:nvPr>
+        </p:nvSpPr>
+        <p:spPr/>
+        <p:txBody>
+          <a:bodyPr/>
+          <a:lstStyle/>
+          <a:p>
+            <a:endParaRPr lang="en-US"/>
+          </a:p>
+        </p:txBody>
+      </p:sp>
+      <p:sp>
+        <p:nvSpPr>
+          <p:cNvPr id="6" name="Text Placeholder 5">
+            <a:extLst>
+              <a:ext uri="{FF2B5EF4-FFF2-40B4-BE49-F238E27FC236}">
+                <a16:creationId xmlns:a16="http://schemas.microsoft.com/office/drawing/2014/main" id="{74395332-1585-492B-7D2E-D60379A75F27}"/>
+              </a:ext>
+            </a:extLst>
+          </p:cNvPr>
+          <p:cNvSpPr>
+            <a:spLocks noGrp="1"/>
+          </p:cNvSpPr>
+          <p:nvPr>
+            <p:ph type="body" sz="quarter" idx="11"/>
+          </p:nvPr>
+        </p:nvSpPr>
+        <p:spPr/>
+        <p:txBody>
+          <a:bodyPr/>
+          <a:lstStyle/>
+          <a:p>
+            <a:endParaRPr lang="en-US"/>
+          </a:p>
+        </p:txBody>
+      </p:sp>
+      <p:pic>
+        <p:nvPicPr>
+          <p:cNvPr id="8" name="Picture 7">
+            <a:extLst>
+              <a:ext uri="{FF2B5EF4-FFF2-40B4-BE49-F238E27FC236}">
+                <a16:creationId xmlns:a16="http://schemas.microsoft.com/office/drawing/2014/main" id="{F0D269D2-A22C-194A-2A7B-0224426EE441}"/>
+              </a:ext>
+            </a:extLst>
+          </p:cNvPr>
+          <p:cNvPicPr>
+            <a:picLocks noChangeAspect="1"/>
+          </p:cNvPicPr>
+          <p:nvPr/>
+        </p:nvPicPr>
+        <p:blipFill>
+          <a:blip r:embed="rId2"/>
+          <a:stretch>
+            <a:fillRect/>
+          </a:stretch>
+        </p:blipFill>
+        <p:spPr>
+          <a:xfrm>
+            <a:off x="0" y="1183613"/>
+            <a:ext cx="12192000" cy="4490774"/>
+          </a:xfrm>
+          <a:prstGeom prst="rect">
+            <a:avLst/>
+          </a:prstGeom>
+        </p:spPr>
+      </p:pic>
+    </p:spTree>
+    <p:extLst>
+      <p:ext uri="{BB962C8B-B14F-4D97-AF65-F5344CB8AC3E}">
+        <p14:creationId xmlns:p14="http://schemas.microsoft.com/office/powerpoint/2010/main" val="2427143712"/>
+      </p:ext>
+    </p:extLst>
+  </p:cSld>
+  <p:clrMapOvr>
+    <a:masterClrMapping/>
+  </p:clrMapOvr>
+</p:sld>
+</file>
+
+<file path=ppt/slides/slide8.xml><?xml version="1.0" encoding="utf-8"?>
+<p:sld xmlns:a="http://schemas.openxmlformats.org/drawingml/2006/main" xmlns:r="http://schemas.openxmlformats.org/officeDocument/2006/relationships" xmlns:p="http://schemas.openxmlformats.org/presentationml/2006/main">
+  <p:cSld>
+    <p:spTree>
+      <p:nvGrpSpPr>
+        <p:cNvPr id="1" name=""/>
+        <p:cNvGrpSpPr/>
+        <p:nvPr/>
+      </p:nvGrpSpPr>
+      <p:grpSpPr>
+        <a:xfrm>
+          <a:off x="0" y="0"/>
+          <a:ext cx="0" cy="0"/>
+          <a:chOff x="0" y="0"/>
+          <a:chExt cx="0" cy="0"/>
+        </a:xfrm>
+      </p:grpSpPr>
+      <p:sp>
+        <p:nvSpPr>
+          <p:cNvPr id="2" name="Title 1">
+            <a:extLst>
+              <a:ext uri="{FF2B5EF4-FFF2-40B4-BE49-F238E27FC236}">
+                <a16:creationId xmlns:a16="http://schemas.microsoft.com/office/drawing/2014/main" id="{FDDB9D35-7A73-51EA-6DEC-4524DCBC1878}"/>
+              </a:ext>
+            </a:extLst>
+          </p:cNvPr>
+          <p:cNvSpPr>
+            <a:spLocks noGrp="1"/>
+          </p:cNvSpPr>
+          <p:nvPr>
+            <p:ph type="title"/>
+          </p:nvPr>
+        </p:nvSpPr>
+        <p:spPr/>
+        <p:txBody>
+          <a:bodyPr/>
+          <a:lstStyle/>
+          <a:p>
+            <a:endParaRPr lang="en-US"/>
+          </a:p>
+        </p:txBody>
+      </p:sp>
+      <p:sp>
+        <p:nvSpPr>
+          <p:cNvPr id="3" name="Content Placeholder 2">
+            <a:extLst>
+              <a:ext uri="{FF2B5EF4-FFF2-40B4-BE49-F238E27FC236}">
+                <a16:creationId xmlns:a16="http://schemas.microsoft.com/office/drawing/2014/main" id="{F1CF4125-355D-BCF6-05C6-DA483ACE3287}"/>
+              </a:ext>
+            </a:extLst>
+          </p:cNvPr>
+          <p:cNvSpPr>
+            <a:spLocks noGrp="1"/>
+          </p:cNvSpPr>
+          <p:nvPr>
+            <p:ph sz="half" idx="1"/>
+          </p:nvPr>
+        </p:nvSpPr>
+        <p:spPr/>
+        <p:txBody>
+          <a:bodyPr/>
+          <a:lstStyle/>
+          <a:p>
+            <a:endParaRPr lang="en-US"/>
+          </a:p>
+        </p:txBody>
+      </p:sp>
+      <p:sp>
+        <p:nvSpPr>
+          <p:cNvPr id="4" name="Content Placeholder 3">
+            <a:extLst>
+              <a:ext uri="{FF2B5EF4-FFF2-40B4-BE49-F238E27FC236}">
+                <a16:creationId xmlns:a16="http://schemas.microsoft.com/office/drawing/2014/main" id="{F7A54605-F788-3CEF-883B-F790C830EB1B}"/>
+              </a:ext>
+            </a:extLst>
+          </p:cNvPr>
+          <p:cNvSpPr>
+            <a:spLocks noGrp="1"/>
+          </p:cNvSpPr>
+          <p:nvPr>
+            <p:ph sz="half" idx="2"/>
+          </p:nvPr>
+        </p:nvSpPr>
+        <p:spPr/>
+        <p:txBody>
+          <a:bodyPr/>
+          <a:lstStyle/>
+          <a:p>
+            <a:endParaRPr lang="en-US"/>
+          </a:p>
+        </p:txBody>
+      </p:sp>
+      <p:sp>
+        <p:nvSpPr>
+          <p:cNvPr id="5" name="Text Placeholder 4">
+            <a:extLst>
+              <a:ext uri="{FF2B5EF4-FFF2-40B4-BE49-F238E27FC236}">
+                <a16:creationId xmlns:a16="http://schemas.microsoft.com/office/drawing/2014/main" id="{C100A7B5-0434-EBC2-6C48-5AEA98BA5B0E}"/>
+              </a:ext>
+            </a:extLst>
+          </p:cNvPr>
+          <p:cNvSpPr>
+            <a:spLocks noGrp="1"/>
+          </p:cNvSpPr>
+          <p:nvPr>
+            <p:ph type="body" sz="quarter" idx="10"/>
+          </p:nvPr>
+        </p:nvSpPr>
+        <p:spPr/>
+        <p:txBody>
+          <a:bodyPr/>
+          <a:lstStyle/>
+          <a:p>
+            <a:endParaRPr lang="en-US"/>
+          </a:p>
+        </p:txBody>
+      </p:sp>
+      <p:sp>
+        <p:nvSpPr>
+          <p:cNvPr id="6" name="Text Placeholder 5">
+            <a:extLst>
+              <a:ext uri="{FF2B5EF4-FFF2-40B4-BE49-F238E27FC236}">
+                <a16:creationId xmlns:a16="http://schemas.microsoft.com/office/drawing/2014/main" id="{835EAE65-F65E-4E53-2237-FE227B87F0B4}"/>
+              </a:ext>
+            </a:extLst>
+          </p:cNvPr>
+          <p:cNvSpPr>
+            <a:spLocks noGrp="1"/>
+          </p:cNvSpPr>
+          <p:nvPr>
+            <p:ph type="body" sz="quarter" idx="11"/>
+          </p:nvPr>
+        </p:nvSpPr>
+        <p:spPr/>
+        <p:txBody>
+          <a:bodyPr/>
+          <a:lstStyle/>
+          <a:p>
+            <a:endParaRPr lang="en-US"/>
+          </a:p>
+        </p:txBody>
+      </p:sp>
+      <p:pic>
+        <p:nvPicPr>
+          <p:cNvPr id="8" name="Picture 7">
+            <a:extLst>
+              <a:ext uri="{FF2B5EF4-FFF2-40B4-BE49-F238E27FC236}">
+                <a16:creationId xmlns:a16="http://schemas.microsoft.com/office/drawing/2014/main" id="{BBD82018-643A-5226-D21F-F312631789FE}"/>
+              </a:ext>
+            </a:extLst>
+          </p:cNvPr>
+          <p:cNvPicPr>
+            <a:picLocks noChangeAspect="1"/>
+          </p:cNvPicPr>
+          <p:nvPr/>
+        </p:nvPicPr>
+        <p:blipFill>
+          <a:blip r:embed="rId2"/>
+          <a:stretch>
+            <a:fillRect/>
+          </a:stretch>
+        </p:blipFill>
+        <p:spPr>
+          <a:xfrm>
+            <a:off x="0" y="257520"/>
+            <a:ext cx="12192000" cy="6342960"/>
+          </a:xfrm>
+          <a:prstGeom prst="rect">
+            <a:avLst/>
+          </a:prstGeom>
+        </p:spPr>
+      </p:pic>
+    </p:spTree>
+    <p:extLst>
+      <p:ext uri="{BB962C8B-B14F-4D97-AF65-F5344CB8AC3E}">
+        <p14:creationId xmlns:p14="http://schemas.microsoft.com/office/powerpoint/2010/main" val="3029263679"/>
+      </p:ext>
+    </p:extLst>
+  </p:cSld>
+  <p:clrMapOvr>
+    <a:masterClrMapping/>
+  </p:clrMapOvr>
+</p:sld>
+</file>
+
+<file path=ppt/slides/slide9.xml><?xml version="1.0" encoding="utf-8"?>
 <p:sld xmlns:a="http://schemas.openxmlformats.org/drawingml/2006/main" xmlns:r="http://schemas.openxmlformats.org/officeDocument/2006/relationships" xmlns:p="http://schemas.openxmlformats.org/presentationml/2006/main">
   <p:cSld>
     <p:spTree>
@@ -33979,157 +34719,6 @@
 </p:sld>
 </file>
 
-<file path=ppt/slides/slide7.xml><?xml version="1.0" encoding="utf-8"?>
-<p:sld xmlns:a="http://schemas.openxmlformats.org/drawingml/2006/main" xmlns:r="http://schemas.openxmlformats.org/officeDocument/2006/relationships" xmlns:p="http://schemas.openxmlformats.org/presentationml/2006/main">
-  <p:cSld>
-    <p:spTree>
-      <p:nvGrpSpPr>
-        <p:cNvPr id="1" name=""/>
-        <p:cNvGrpSpPr/>
-        <p:nvPr/>
-      </p:nvGrpSpPr>
-      <p:grpSpPr>
-        <a:xfrm>
-          <a:off x="0" y="0"/>
-          <a:ext cx="0" cy="0"/>
-          <a:chOff x="0" y="0"/>
-          <a:chExt cx="0" cy="0"/>
-        </a:xfrm>
-      </p:grpSpPr>
-      <p:sp>
-        <p:nvSpPr>
-          <p:cNvPr id="3" name="Instructions">
-            <a:extLst>
-              <a:ext uri="{FF2B5EF4-FFF2-40B4-BE49-F238E27FC236}">
-                <a16:creationId xmlns:a16="http://schemas.microsoft.com/office/drawing/2014/main" id="{58953F9D-FCBC-BE89-8703-2655B015B9FB}"/>
-              </a:ext>
-            </a:extLst>
-          </p:cNvPr>
-          <p:cNvSpPr/>
-          <p:nvPr/>
-        </p:nvSpPr>
-        <p:spPr>
-          <a:xfrm>
-            <a:off x="8780145" y="5485257"/>
-            <a:ext cx="2926080" cy="886968"/>
-          </a:xfrm>
-          <a:prstGeom prst="rect">
-            <a:avLst/>
-          </a:prstGeom>
-          <a:solidFill>
-            <a:schemeClr val="accent5"/>
-          </a:solidFill>
-          <a:ln>
-            <a:noFill/>
-          </a:ln>
-        </p:spPr>
-        <p:style>
-          <a:lnRef idx="0">
-            <a:schemeClr val="accent1"/>
-          </a:lnRef>
-          <a:fillRef idx="1">
-            <a:schemeClr val="accent1"/>
-          </a:fillRef>
-          <a:effectRef idx="0">
-            <a:schemeClr val="dk1"/>
-          </a:effectRef>
-          <a:fontRef idx="minor">
-            <a:schemeClr val="dk1"/>
-          </a:fontRef>
-        </p:style>
-        <p:txBody>
-          <a:bodyPr rtlCol="0" anchor="ctr"/>
-          <a:lstStyle/>
-          <a:p>
-            <a:pPr algn="ctr">
-              <a:spcBef>
-                <a:spcPts val="300"/>
-              </a:spcBef>
-            </a:pPr>
-            <a:r>
-              <a:rPr lang="en-US" sz="700" b="1" dirty="0">
-                <a:solidFill>
-                  <a:srgbClr val="000000"/>
-                </a:solidFill>
-              </a:rPr>
-              <a:t>READ &amp; DELETE BEFORE USING</a:t>
-            </a:r>
-          </a:p>
-          <a:p>
-            <a:pPr algn="ctr">
-              <a:spcBef>
-                <a:spcPts val="300"/>
-              </a:spcBef>
-            </a:pPr>
-            <a:r>
-              <a:rPr lang="en-US" sz="700" dirty="0">
-                <a:solidFill>
-                  <a:srgbClr val="000000"/>
-                </a:solidFill>
-              </a:rPr>
-              <a:t>If needed, update the legal notice on the end slide using </a:t>
-            </a:r>
-            <a:br>
-              <a:rPr lang="en-US" sz="700" dirty="0">
-                <a:solidFill>
-                  <a:srgbClr val="000000"/>
-                </a:solidFill>
-              </a:rPr>
-            </a:br>
-            <a:r>
-              <a:rPr lang="en-US" sz="700" dirty="0">
-                <a:solidFill>
-                  <a:srgbClr val="000000"/>
-                </a:solidFill>
-              </a:rPr>
-              <a:t>View &gt; Slide Master. When done, View &gt; Normal. </a:t>
-            </a:r>
-          </a:p>
-          <a:p>
-            <a:pPr algn="ctr">
-              <a:spcBef>
-                <a:spcPts val="300"/>
-              </a:spcBef>
-            </a:pPr>
-            <a:r>
-              <a:rPr lang="en-US" sz="700" dirty="0">
-                <a:solidFill>
-                  <a:srgbClr val="000000"/>
-                </a:solidFill>
-              </a:rPr>
-              <a:t>Both the “End Slide” and “End Slide – Dark Mode” </a:t>
-            </a:r>
-            <a:br>
-              <a:rPr lang="en-US" sz="700" dirty="0">
-                <a:solidFill>
-                  <a:srgbClr val="000000"/>
-                </a:solidFill>
-              </a:rPr>
-            </a:br>
-            <a:r>
-              <a:rPr lang="en-US" sz="700" dirty="0">
-                <a:solidFill>
-                  <a:srgbClr val="000000"/>
-                </a:solidFill>
-              </a:rPr>
-              <a:t>slide masters should be updated consistently.</a:t>
-            </a:r>
-          </a:p>
-        </p:txBody>
-      </p:sp>
-    </p:spTree>
-    <p:extLst>
-      <p:ext uri="{BB962C8B-B14F-4D97-AF65-F5344CB8AC3E}">
-        <p14:creationId xmlns:p14="http://schemas.microsoft.com/office/powerpoint/2010/main" val="2315974632"/>
-      </p:ext>
-    </p:extLst>
-  </p:cSld>
-  <p:clrMapOvr>
-    <a:masterClrMapping/>
-  </p:clrMapOvr>
-</p:sld>
-</file>
-
 <file path=ppt/theme/theme1.xml><?xml version="1.0" encoding="utf-8"?>
 <a:theme xmlns:a="http://schemas.openxmlformats.org/drawingml/2006/main" name="Micron">
   <a:themeElements>
@@ -34948,15 +35537,6 @@
 </file>
 
 <file path=customXml/item1.xml><?xml version="1.0" encoding="utf-8"?>
-<?mso-contentType ?>
-<FormTemplates xmlns="http://schemas.microsoft.com/sharepoint/v3/contenttype/forms">
-  <Display>DocumentLibraryForm</Display>
-  <Edit>DocumentLibraryForm</Edit>
-  <New>DocumentLibraryForm</New>
-</FormTemplates>
-</file>
-
-<file path=customXml/item2.xml><?xml version="1.0" encoding="utf-8"?>
 <p:properties xmlns:p="http://schemas.microsoft.com/office/2006/metadata/properties" xmlns:xsi="http://www.w3.org/2001/XMLSchema-instance" xmlns:pc="http://schemas.microsoft.com/office/infopath/2007/PartnerControls">
   <documentManagement>
     <TaxCatchAll xmlns="f6b577cd-6e64-4f00-a024-38a5e216943f" xsi:nil="true"/>
@@ -34965,6 +35545,15 @@
     </lcf76f155ced4ddcb4097134ff3c332f>
   </documentManagement>
 </p:properties>
+</file>
+
+<file path=customXml/item2.xml><?xml version="1.0" encoding="utf-8"?>
+<?mso-contentType ?>
+<FormTemplates xmlns="http://schemas.microsoft.com/sharepoint/v3/contenttype/forms">
+  <Display>DocumentLibraryForm</Display>
+  <Edit>DocumentLibraryForm</Edit>
+  <New>DocumentLibraryForm</New>
+</FormTemplates>
 </file>
 
 <file path=customXml/item3.xml><?xml version="1.0" encoding="utf-8"?>
@@ -35203,14 +35792,6 @@
 </file>
 
 <file path=customXml/itemProps1.xml><?xml version="1.0" encoding="utf-8"?>
-<ds:datastoreItem xmlns:ds="http://schemas.openxmlformats.org/officeDocument/2006/customXml" ds:itemID="{D6F7D784-B287-493B-96EC-6DAAC458EB36}">
-  <ds:schemaRefs>
-    <ds:schemaRef ds:uri="http://schemas.microsoft.com/sharepoint/v3/contenttype/forms"/>
-  </ds:schemaRefs>
-</ds:datastoreItem>
-</file>
-
-<file path=customXml/itemProps2.xml><?xml version="1.0" encoding="utf-8"?>
 <ds:datastoreItem xmlns:ds="http://schemas.openxmlformats.org/officeDocument/2006/customXml" ds:itemID="{C210B64C-2D98-49DF-A0BE-639DCBC582D6}">
   <ds:schemaRefs>
     <ds:schemaRef ds:uri="http://schemas.microsoft.com/office/2006/metadata/properties"/>
@@ -35219,6 +35800,14 @@
     <ds:schemaRef ds:uri="a4f3cccb-51db-4acf-89db-afd6e6172695"/>
     <ds:schemaRef ds:uri="f6b577cd-6e64-4f00-a024-38a5e216943f"/>
     <ds:schemaRef ds:uri="373dee95-3004-4e58-b400-fc9a330598fa"/>
+  </ds:schemaRefs>
+</ds:datastoreItem>
+</file>
+
+<file path=customXml/itemProps2.xml><?xml version="1.0" encoding="utf-8"?>
+<ds:datastoreItem xmlns:ds="http://schemas.openxmlformats.org/officeDocument/2006/customXml" ds:itemID="{D6F7D784-B287-493B-96EC-6DAAC458EB36}">
+  <ds:schemaRefs>
+    <ds:schemaRef ds:uri="http://schemas.microsoft.com/sharepoint/v3/contenttype/forms"/>
   </ds:schemaRefs>
 </ds:datastoreItem>
 </file>
